--- a/Insider Trading Datasets.pptx
+++ b/Insider Trading Datasets.pptx
@@ -136,17 +136,6 @@
     </p:ext>
   </p:extLst>
 </p:presentation>
-</file>
-
-<file path=ppt/revisionInfo.xml><?xml version="1.0" encoding="utf-8"?>
-<p1510:revInfo xmlns:a="http://schemas.openxmlformats.org/drawingml/2006/main" xmlns:r="http://schemas.openxmlformats.org/officeDocument/2006/relationships" xmlns:p1510="http://schemas.microsoft.com/office/powerpoint/2015/10/main">
-  <p1510:revLst>
-    <p1510:client id="{0FA8E625-025C-4546-A877-B93C40BDC28E}" v="1398" dt="2023-05-10T21:35:03.497"/>
-    <p1510:client id="{28FDA14E-AD0B-284D-8B75-D64198E8B2E4}" v="528" dt="2023-05-10T21:40:41.695"/>
-    <p1510:client id="{A550A737-BA0C-4793-BAF1-21B8C33D760D}" v="2167" dt="2023-05-10T22:56:53.858"/>
-    <p1510:client id="{AC741F21-0F8A-EE0A-AD49-9B1D9C73C8DC}" v="104" vWet="105" dt="2023-05-10T00:38:04.283"/>
-  </p1510:revLst>
-</p1510:revInfo>
 </file>
 
 <file path=ppt/diagrams/colors1.xml><?xml version="1.0" encoding="utf-8"?>
@@ -13238,7 +13227,7 @@
         </p:spPr>
         <p:txBody>
           <a:bodyPr>
-            <a:normAutofit/>
+            <a:normAutofit fontScale="92500"/>
           </a:bodyPr>
           <a:lstStyle/>
           <a:p>
@@ -13250,6 +13239,18 @@
               <a:t>Thanks for your time and attention!</a:t>
             </a:r>
           </a:p>
+          <a:p>
+            <a:pPr marL="0" indent="0" algn="ctr">
+              <a:buNone/>
+            </a:pPr>
+            <a:r>
+              <a:rPr lang="en-US" sz="2800" dirty="0">
+                <a:hlinkClick r:id="rId2"/>
+              </a:rPr>
+              <a:t>https://github.com/jeevanhall/CIS5200HiveTeamProject</a:t>
+            </a:r>
+            <a:endParaRPr lang="en-US" sz="2800" dirty="0"/>
+          </a:p>
         </p:txBody>
       </p:sp>
       <p:pic>
@@ -13267,7 +13268,7 @@
           <p:nvPr/>
         </p:nvPicPr>
         <p:blipFill>
-          <a:blip r:embed="rId2">
+          <a:blip r:embed="rId3">
             <a:extLst>
               <a:ext uri="{28A0092B-C50C-407E-A947-70E740481C1C}">
                 <a14:useLocalDpi xmlns:a14="http://schemas.microsoft.com/office/drawing/2010/main" val="0"/>
@@ -13313,7 +13314,7 @@
           <p:nvPr/>
         </p:nvPicPr>
         <p:blipFill>
-          <a:blip r:embed="rId3">
+          <a:blip r:embed="rId4">
             <a:extLst>
               <a:ext uri="{28A0092B-C50C-407E-A947-70E740481C1C}">
                 <a14:useLocalDpi xmlns:a14="http://schemas.microsoft.com/office/drawing/2010/main" val="0"/>
